--- a/ゼミ/ゼミ0816.pptx
+++ b/ゼミ/ゼミ0816.pptx
@@ -3841,7 +3841,9 @@
         </p:nvSpPr>
         <p:spPr/>
         <p:txBody>
-          <a:bodyPr/>
+          <a:bodyPr>
+            <a:normAutofit lnSpcReduction="10000"/>
+          </a:bodyPr>
           <a:lstStyle/>
           <a:p>
             <a:r>
@@ -3885,7 +3887,14 @@
               <a:rPr lang="ja-JP" altLang="en-US"/>
               <a:t>になってしまった</a:t>
             </a:r>
-            <a:endParaRPr kumimoji="1" lang="ja-JP" altLang="en-US"/>
+            <a:endParaRPr lang="en-US" altLang="ja-JP" dirty="0"/>
+          </a:p>
+          <a:p>
+            <a:r>
+              <a:rPr lang="ja-JP" altLang="en-US"/>
+              <a:t>まだ微妙に結果が悪い</a:t>
+            </a:r>
+            <a:endParaRPr lang="en-US" altLang="ja-JP" dirty="0"/>
           </a:p>
         </p:txBody>
       </p:sp>
@@ -3911,7 +3920,7 @@
         </p:blipFill>
         <p:spPr>
           <a:xfrm>
-            <a:off x="642550" y="2733346"/>
+            <a:off x="642550" y="2424427"/>
             <a:ext cx="11166389" cy="2535895"/>
           </a:xfrm>
           <a:prstGeom prst="rect">
@@ -4151,7 +4160,27 @@
             </a:r>
             <a:r>
               <a:rPr kumimoji="1" lang="ja-JP" altLang="en-US"/>
-              <a:t>になってしまう原因を探す</a:t>
+              <a:t>になってしまう原因を探す→多分パラメータ生成の部分</a:t>
+            </a:r>
+            <a:r>
+              <a:rPr kumimoji="1" lang="en-US" altLang="ja-JP" dirty="0"/>
+              <a:t>-&gt;</a:t>
+            </a:r>
+            <a:r>
+              <a:rPr kumimoji="1" lang="en-US" altLang="ja-JP" dirty="0" err="1"/>
+              <a:t>est_param</a:t>
+            </a:r>
+            <a:r>
+              <a:rPr kumimoji="1" lang="ja-JP" altLang="en-US"/>
+              <a:t>と</a:t>
+            </a:r>
+            <a:r>
+              <a:rPr kumimoji="1" lang="en-US" altLang="ja-JP" dirty="0" err="1"/>
+              <a:t>true_param</a:t>
+            </a:r>
+            <a:r>
+              <a:rPr kumimoji="1" lang="ja-JP" altLang="en-US"/>
+              <a:t>どっちも</a:t>
             </a:r>
             <a:endParaRPr kumimoji="1" lang="en-US" altLang="ja-JP" dirty="0"/>
           </a:p>
